--- a/Courses/ML_Concepts/Module_01_Introduction_to_Classification/Module_01_Introduction_to_Classification_01_ClassificationBackground.pptx
+++ b/Courses/ML_Concepts/Module_01_Introduction_to_Classification/Module_01_Introduction_to_Classification_01_ClassificationBackground.pptx
@@ -205,7 +205,7 @@
           <a:p>
             <a:fld id="{8BF7BA16-693B-49DC-B4FA-AF7A11A8ED46}" type="datetimeFigureOut">
               <a:rPr lang="en-US" smtClean="0"/>
-              <a:t>11/15/2022</a:t>
+              <a:t>12/13/2022</a:t>
             </a:fld>
             <a:endParaRPr lang="en-US"/>
           </a:p>
@@ -871,7 +871,7 @@
           <a:p>
             <a:fld id="{D788A639-B81C-4455-ABEE-AAB245CF3941}" type="datetimeFigureOut">
               <a:rPr lang="en-US" smtClean="0"/>
-              <a:t>11/15/2022</a:t>
+              <a:t>12/13/2022</a:t>
             </a:fld>
             <a:endParaRPr lang="en-US"/>
           </a:p>
@@ -1069,7 +1069,7 @@
           <a:p>
             <a:fld id="{D788A639-B81C-4455-ABEE-AAB245CF3941}" type="datetimeFigureOut">
               <a:rPr lang="en-US" smtClean="0"/>
-              <a:t>11/15/2022</a:t>
+              <a:t>12/13/2022</a:t>
             </a:fld>
             <a:endParaRPr lang="en-US"/>
           </a:p>
@@ -1277,7 +1277,7 @@
           <a:p>
             <a:fld id="{D788A639-B81C-4455-ABEE-AAB245CF3941}" type="datetimeFigureOut">
               <a:rPr lang="en-US" smtClean="0"/>
-              <a:t>11/15/2022</a:t>
+              <a:t>12/13/2022</a:t>
             </a:fld>
             <a:endParaRPr lang="en-US"/>
           </a:p>
@@ -1475,7 +1475,7 @@
           <a:p>
             <a:fld id="{D788A639-B81C-4455-ABEE-AAB245CF3941}" type="datetimeFigureOut">
               <a:rPr lang="en-US" smtClean="0"/>
-              <a:t>11/15/2022</a:t>
+              <a:t>12/13/2022</a:t>
             </a:fld>
             <a:endParaRPr lang="en-US"/>
           </a:p>
@@ -1750,7 +1750,7 @@
           <a:p>
             <a:fld id="{D788A639-B81C-4455-ABEE-AAB245CF3941}" type="datetimeFigureOut">
               <a:rPr lang="en-US" smtClean="0"/>
-              <a:t>11/15/2022</a:t>
+              <a:t>12/13/2022</a:t>
             </a:fld>
             <a:endParaRPr lang="en-US"/>
           </a:p>
@@ -2015,7 +2015,7 @@
           <a:p>
             <a:fld id="{D788A639-B81C-4455-ABEE-AAB245CF3941}" type="datetimeFigureOut">
               <a:rPr lang="en-US" smtClean="0"/>
-              <a:t>11/15/2022</a:t>
+              <a:t>12/13/2022</a:t>
             </a:fld>
             <a:endParaRPr lang="en-US"/>
           </a:p>
@@ -2427,7 +2427,7 @@
           <a:p>
             <a:fld id="{D788A639-B81C-4455-ABEE-AAB245CF3941}" type="datetimeFigureOut">
               <a:rPr lang="en-US" smtClean="0"/>
-              <a:t>11/15/2022</a:t>
+              <a:t>12/13/2022</a:t>
             </a:fld>
             <a:endParaRPr lang="en-US"/>
           </a:p>
@@ -2568,7 +2568,7 @@
           <a:p>
             <a:fld id="{D788A639-B81C-4455-ABEE-AAB245CF3941}" type="datetimeFigureOut">
               <a:rPr lang="en-US" smtClean="0"/>
-              <a:t>11/15/2022</a:t>
+              <a:t>12/13/2022</a:t>
             </a:fld>
             <a:endParaRPr lang="en-US"/>
           </a:p>
@@ -2681,7 +2681,7 @@
           <a:p>
             <a:fld id="{D788A639-B81C-4455-ABEE-AAB245CF3941}" type="datetimeFigureOut">
               <a:rPr lang="en-US" smtClean="0"/>
-              <a:t>11/15/2022</a:t>
+              <a:t>12/13/2022</a:t>
             </a:fld>
             <a:endParaRPr lang="en-US"/>
           </a:p>
@@ -2992,7 +2992,7 @@
           <a:p>
             <a:fld id="{D788A639-B81C-4455-ABEE-AAB245CF3941}" type="datetimeFigureOut">
               <a:rPr lang="en-US" smtClean="0"/>
-              <a:t>11/15/2022</a:t>
+              <a:t>12/13/2022</a:t>
             </a:fld>
             <a:endParaRPr lang="en-US"/>
           </a:p>
@@ -3280,7 +3280,7 @@
           <a:p>
             <a:fld id="{D788A639-B81C-4455-ABEE-AAB245CF3941}" type="datetimeFigureOut">
               <a:rPr lang="en-US" smtClean="0"/>
-              <a:t>11/15/2022</a:t>
+              <a:t>12/13/2022</a:t>
             </a:fld>
             <a:endParaRPr lang="en-US"/>
           </a:p>
@@ -3521,7 +3521,7 @@
           <a:p>
             <a:fld id="{D788A639-B81C-4455-ABEE-AAB245CF3941}" type="datetimeFigureOut">
               <a:rPr lang="en-US" smtClean="0"/>
-              <a:t>11/15/2022</a:t>
+              <a:t>12/13/2022</a:t>
             </a:fld>
             <a:endParaRPr lang="en-US"/>
           </a:p>

--- a/Courses/ML_Concepts/Module_01_Introduction_to_Classification/Module_01_Introduction_to_Classification_01_ClassificationBackground.pptx
+++ b/Courses/ML_Concepts/Module_01_Introduction_to_Classification/Module_01_Introduction_to_Classification_01_ClassificationBackground.pptx
@@ -205,7 +205,7 @@
           <a:p>
             <a:fld id="{8BF7BA16-693B-49DC-B4FA-AF7A11A8ED46}" type="datetimeFigureOut">
               <a:rPr lang="en-US" smtClean="0"/>
-              <a:t>12/13/2022</a:t>
+              <a:t>3/25/2023</a:t>
             </a:fld>
             <a:endParaRPr lang="en-US"/>
           </a:p>
@@ -516,7 +516,71 @@
           <a:bodyPr/>
           <a:lstStyle/>
           <a:p>
+            <a:r>
+              <a:rPr lang="en-US" dirty="0"/>
+              <a:t>Classification is a prediction task, where the end objective is to apply a label an input example.</a:t>
+            </a:r>
+          </a:p>
+          <a:p>
             <a:endParaRPr lang="en-US" dirty="0"/>
+          </a:p>
+          <a:p>
+            <a:r>
+              <a:rPr lang="en-US" dirty="0"/>
+              <a:t>Some examples:</a:t>
+            </a:r>
+          </a:p>
+          <a:p>
+            <a:pPr marL="171450" indent="-171450">
+              <a:buFont typeface="Arial" panose="020B0604020202020204" pitchFamily="34" charset="0"/>
+              <a:buChar char="•"/>
+            </a:pPr>
+            <a:r>
+              <a:rPr lang="en-US" dirty="0"/>
+              <a:t>An email filter that identifies an incoming spam message</a:t>
+            </a:r>
+          </a:p>
+          <a:p>
+            <a:pPr marL="171450" indent="-171450">
+              <a:buFont typeface="Arial" panose="020B0604020202020204" pitchFamily="34" charset="0"/>
+              <a:buChar char="•"/>
+            </a:pPr>
+            <a:r>
+              <a:rPr lang="en-US" dirty="0"/>
+              <a:t>A bank that flags a financial transaction online as fraudulent.</a:t>
+            </a:r>
+          </a:p>
+          <a:p>
+            <a:pPr marL="171450" indent="-171450">
+              <a:buFont typeface="Arial" panose="020B0604020202020204" pitchFamily="34" charset="0"/>
+              <a:buChar char="•"/>
+            </a:pPr>
+            <a:r>
+              <a:rPr lang="en-US" dirty="0"/>
+              <a:t>A clinical report that predicts malignancy from a tumor biopsy</a:t>
+            </a:r>
+          </a:p>
+          <a:p>
+            <a:pPr marL="171450" indent="-171450">
+              <a:buFont typeface="Arial" panose="020B0604020202020204" pitchFamily="34" charset="0"/>
+              <a:buChar char="•"/>
+            </a:pPr>
+            <a:endParaRPr lang="en-US" dirty="0"/>
+          </a:p>
+          <a:p>
+            <a:r>
+              <a:rPr lang="en-US" dirty="0"/>
+              <a:t>In general, the input example is assigned one of two “classes.” </a:t>
+            </a:r>
+          </a:p>
+          <a:p>
+            <a:endParaRPr lang="en-US" dirty="0"/>
+          </a:p>
+          <a:p>
+            <a:r>
+              <a:rPr lang="en-US" dirty="0"/>
+              <a:t>Mathematically we can refer to them as a set containing 0 (the negative class) and 1 (the positive class).</a:t>
+            </a:r>
           </a:p>
         </p:txBody>
       </p:sp>
@@ -535,9 +599,9 @@
           <a:bodyPr/>
           <a:lstStyle/>
           <a:p>
-            <a:fld id="{65BB4358-7947-418D-9893-A52EF810C478}" type="slidenum">
+            <a:fld id="{B1A2EA0D-22F4-4AFD-9B05-B1DF34251A83}" type="slidenum">
               <a:rPr lang="en-US" smtClean="0"/>
-              <a:t>6</a:t>
+              <a:t>3</a:t>
             </a:fld>
             <a:endParaRPr lang="en-US"/>
           </a:p>
@@ -546,7 +610,7 @@
     </p:spTree>
     <p:extLst>
       <p:ext uri="{BB962C8B-B14F-4D97-AF65-F5344CB8AC3E}">
-        <p14:creationId xmlns:p14="http://schemas.microsoft.com/office/powerpoint/2010/main" val="699515863"/>
+        <p14:creationId xmlns:p14="http://schemas.microsoft.com/office/powerpoint/2010/main" val="215688055"/>
       </p:ext>
     </p:extLst>
   </p:cSld>
@@ -600,7 +664,72 @@
           <a:bodyPr/>
           <a:lstStyle/>
           <a:p>
+            <a:r>
+              <a:rPr lang="en-US" dirty="0"/>
+              <a:t>If we want to train a learning algorithm to assign a label we first start with some training data.</a:t>
+            </a:r>
+          </a:p>
+          <a:p>
             <a:endParaRPr lang="en-US" dirty="0"/>
+          </a:p>
+          <a:p>
+            <a:r>
+              <a:rPr lang="en-US" dirty="0"/>
+              <a:t>Let’s say we have a dataset, “x”, that contains “m” examples… a table that has “m” rows. </a:t>
+            </a:r>
+          </a:p>
+          <a:p>
+            <a:endParaRPr lang="en-US" dirty="0"/>
+          </a:p>
+          <a:p>
+            <a:r>
+              <a:rPr lang="en-US" dirty="0"/>
+              <a:t>Each of our rows represents a unique example, which is a collection of “n” datapoints, also known as features.</a:t>
+            </a:r>
+          </a:p>
+          <a:p>
+            <a:endParaRPr lang="en-US" dirty="0"/>
+          </a:p>
+          <a:p>
+            <a:r>
+              <a:rPr lang="en-US" dirty="0"/>
+              <a:t>We want our learning algorithm to predict the label, so we can start by defining how it will integrate the features of each example into a prediction of its class.</a:t>
+            </a:r>
+          </a:p>
+          <a:p>
+            <a:endParaRPr lang="en-US" dirty="0"/>
+          </a:p>
+          <a:p>
+            <a:r>
+              <a:rPr lang="en-US" dirty="0"/>
+              <a:t>This is known as the “hypothesis” function, which we will define as a weighted sum of each of the “n” datapoints in a particular example.</a:t>
+            </a:r>
+          </a:p>
+          <a:p>
+            <a:endParaRPr lang="en-US" dirty="0"/>
+          </a:p>
+          <a:p>
+            <a:r>
+              <a:rPr lang="en-US" dirty="0"/>
+              <a:t>In other words, the predicted label of 0 or 1 is the sum of each datapoint times some factor. </a:t>
+            </a:r>
+          </a:p>
+          <a:p>
+            <a:endParaRPr lang="en-US" dirty="0"/>
+          </a:p>
+          <a:p>
+            <a:r>
+              <a:rPr lang="en-US" dirty="0"/>
+              <a:t>The weights (theta </a:t>
+            </a:r>
+            <a:r>
+              <a:rPr lang="el-GR" dirty="0"/>
+              <a:t>Θ</a:t>
+            </a:r>
+            <a:r>
+              <a:rPr lang="en-US" dirty="0"/>
+              <a:t>) are learned from the training data. We will discuss the training process later, but for now let’s consider a simple example.</a:t>
+            </a:r>
           </a:p>
         </p:txBody>
       </p:sp>
@@ -619,9 +748,9 @@
           <a:bodyPr/>
           <a:lstStyle/>
           <a:p>
-            <a:fld id="{65BB4358-7947-418D-9893-A52EF810C478}" type="slidenum">
+            <a:fld id="{B1A2EA0D-22F4-4AFD-9B05-B1DF34251A83}" type="slidenum">
               <a:rPr lang="en-US" smtClean="0"/>
-              <a:t>7</a:t>
+              <a:t>4</a:t>
             </a:fld>
             <a:endParaRPr lang="en-US"/>
           </a:p>
@@ -630,7 +759,7 @@
     </p:spTree>
     <p:extLst>
       <p:ext uri="{BB962C8B-B14F-4D97-AF65-F5344CB8AC3E}">
-        <p14:creationId xmlns:p14="http://schemas.microsoft.com/office/powerpoint/2010/main" val="3361016501"/>
+        <p14:creationId xmlns:p14="http://schemas.microsoft.com/office/powerpoint/2010/main" val="385933156"/>
       </p:ext>
     </p:extLst>
   </p:cSld>
@@ -684,7 +813,55 @@
           <a:bodyPr/>
           <a:lstStyle/>
           <a:p>
+            <a:r>
+              <a:rPr lang="en-US" dirty="0"/>
+              <a:t>To simplify things a bit, consider a hypothetical dataset of cancer patients where one variable was collected, the tumor size.</a:t>
+            </a:r>
+          </a:p>
+          <a:p>
             <a:endParaRPr lang="en-US" dirty="0"/>
+          </a:p>
+          <a:p>
+            <a:r>
+              <a:rPr lang="en-US" dirty="0"/>
+              <a:t>Each of the patients in the dataset also has had their tumor classified as malignant or not.</a:t>
+            </a:r>
+          </a:p>
+          <a:p>
+            <a:endParaRPr lang="en-US" dirty="0"/>
+          </a:p>
+          <a:p>
+            <a:r>
+              <a:rPr lang="en-US" dirty="0"/>
+              <a:t>Without using specific numbers, we can see that there is a clear relationship between our variable and the label.</a:t>
+            </a:r>
+          </a:p>
+          <a:p>
+            <a:endParaRPr lang="en-US" dirty="0"/>
+          </a:p>
+          <a:p>
+            <a:r>
+              <a:rPr lang="en-US" dirty="0"/>
+              <a:t>That is, larger tumors are malignant. </a:t>
+            </a:r>
+          </a:p>
+          <a:p>
+            <a:endParaRPr lang="en-US" dirty="0"/>
+          </a:p>
+          <a:p>
+            <a:r>
+              <a:rPr lang="en-US" dirty="0"/>
+              <a:t>The hypothesis function that we described in the previous slide is also known as linear regression.</a:t>
+            </a:r>
+          </a:p>
+          <a:p>
+            <a:endParaRPr lang="en-US" dirty="0"/>
+          </a:p>
+          <a:p>
+            <a:r>
+              <a:rPr lang="en-US" dirty="0"/>
+              <a:t>How does that apply to our classification task? </a:t>
+            </a:r>
           </a:p>
         </p:txBody>
       </p:sp>
@@ -703,6 +880,381 @@
           <a:bodyPr/>
           <a:lstStyle/>
           <a:p>
+            <a:fld id="{B1A2EA0D-22F4-4AFD-9B05-B1DF34251A83}" type="slidenum">
+              <a:rPr lang="en-US" smtClean="0"/>
+              <a:t>5</a:t>
+            </a:fld>
+            <a:endParaRPr lang="en-US"/>
+          </a:p>
+        </p:txBody>
+      </p:sp>
+    </p:spTree>
+    <p:extLst>
+      <p:ext uri="{BB962C8B-B14F-4D97-AF65-F5344CB8AC3E}">
+        <p14:creationId xmlns:p14="http://schemas.microsoft.com/office/powerpoint/2010/main" val="26808859"/>
+      </p:ext>
+    </p:extLst>
+  </p:cSld>
+  <p:clrMapOvr>
+    <a:masterClrMapping/>
+  </p:clrMapOvr>
+</p:notes>
+</file>
+
+<file path=ppt/notesSlides/notesSlide4.xml><?xml version="1.0" encoding="utf-8"?>
+<p:notes xmlns:a="http://schemas.openxmlformats.org/drawingml/2006/main" xmlns:r="http://schemas.openxmlformats.org/officeDocument/2006/relationships" xmlns:p="http://schemas.openxmlformats.org/presentationml/2006/main">
+  <p:cSld>
+    <p:spTree>
+      <p:nvGrpSpPr>
+        <p:cNvPr id="1" name=""/>
+        <p:cNvGrpSpPr/>
+        <p:nvPr/>
+      </p:nvGrpSpPr>
+      <p:grpSpPr>
+        <a:xfrm>
+          <a:off x="0" y="0"/>
+          <a:ext cx="0" cy="0"/>
+          <a:chOff x="0" y="0"/>
+          <a:chExt cx="0" cy="0"/>
+        </a:xfrm>
+      </p:grpSpPr>
+      <p:sp>
+        <p:nvSpPr>
+          <p:cNvPr id="2" name="Slide Image Placeholder 1"/>
+          <p:cNvSpPr>
+            <a:spLocks noGrp="1" noRot="1" noChangeAspect="1"/>
+          </p:cNvSpPr>
+          <p:nvPr>
+            <p:ph type="sldImg"/>
+          </p:nvPr>
+        </p:nvSpPr>
+        <p:spPr/>
+      </p:sp>
+      <p:sp>
+        <p:nvSpPr>
+          <p:cNvPr id="3" name="Notes Placeholder 2"/>
+          <p:cNvSpPr>
+            <a:spLocks noGrp="1"/>
+          </p:cNvSpPr>
+          <p:nvPr>
+            <p:ph type="body" idx="1"/>
+          </p:nvPr>
+        </p:nvSpPr>
+        <p:spPr/>
+        <p:txBody>
+          <a:bodyPr/>
+          <a:lstStyle/>
+          <a:p>
+            <a:r>
+              <a:rPr lang="en-US" dirty="0"/>
+              <a:t>Since we have only one variable, the linear regression hypothesis become the equation of a line.</a:t>
+            </a:r>
+          </a:p>
+          <a:p>
+            <a:endParaRPr lang="en-US" dirty="0"/>
+          </a:p>
+          <a:p>
+            <a:r>
+              <a:rPr lang="en-US" dirty="0"/>
+              <a:t>That is, the only 2 weights correspond to the slope and intercept of a line that best intersects all the training data.</a:t>
+            </a:r>
+          </a:p>
+          <a:p>
+            <a:endParaRPr lang="en-US" dirty="0"/>
+          </a:p>
+          <a:p>
+            <a:r>
+              <a:rPr lang="en-US" dirty="0"/>
+              <a:t>Using this hypothetical dataset would produce the blue line as our hypothesis. </a:t>
+            </a:r>
+          </a:p>
+          <a:p>
+            <a:endParaRPr lang="en-US" dirty="0"/>
+          </a:p>
+          <a:p>
+            <a:r>
+              <a:rPr lang="en-US" dirty="0"/>
+              <a:t>Note that the function doesn’t produce a value of 0 or 1 for a given tumor size, but instead outputs a continuous value for our hypothesis.</a:t>
+            </a:r>
+          </a:p>
+          <a:p>
+            <a:endParaRPr lang="en-US" dirty="0"/>
+          </a:p>
+          <a:p>
+            <a:endParaRPr lang="en-US" dirty="0"/>
+          </a:p>
+        </p:txBody>
+      </p:sp>
+      <p:sp>
+        <p:nvSpPr>
+          <p:cNvPr id="4" name="Slide Number Placeholder 3"/>
+          <p:cNvSpPr>
+            <a:spLocks noGrp="1"/>
+          </p:cNvSpPr>
+          <p:nvPr>
+            <p:ph type="sldNum" sz="quarter" idx="5"/>
+          </p:nvPr>
+        </p:nvSpPr>
+        <p:spPr/>
+        <p:txBody>
+          <a:bodyPr/>
+          <a:lstStyle/>
+          <a:p>
+            <a:fld id="{65BB4358-7947-418D-9893-A52EF810C478}" type="slidenum">
+              <a:rPr lang="en-US" smtClean="0"/>
+              <a:t>6</a:t>
+            </a:fld>
+            <a:endParaRPr lang="en-US"/>
+          </a:p>
+        </p:txBody>
+      </p:sp>
+    </p:spTree>
+    <p:extLst>
+      <p:ext uri="{BB962C8B-B14F-4D97-AF65-F5344CB8AC3E}">
+        <p14:creationId xmlns:p14="http://schemas.microsoft.com/office/powerpoint/2010/main" val="699515863"/>
+      </p:ext>
+    </p:extLst>
+  </p:cSld>
+  <p:clrMapOvr>
+    <a:masterClrMapping/>
+  </p:clrMapOvr>
+</p:notes>
+</file>
+
+<file path=ppt/notesSlides/notesSlide5.xml><?xml version="1.0" encoding="utf-8"?>
+<p:notes xmlns:a="http://schemas.openxmlformats.org/drawingml/2006/main" xmlns:r="http://schemas.openxmlformats.org/officeDocument/2006/relationships" xmlns:p="http://schemas.openxmlformats.org/presentationml/2006/main">
+  <p:cSld>
+    <p:spTree>
+      <p:nvGrpSpPr>
+        <p:cNvPr id="1" name=""/>
+        <p:cNvGrpSpPr/>
+        <p:nvPr/>
+      </p:nvGrpSpPr>
+      <p:grpSpPr>
+        <a:xfrm>
+          <a:off x="0" y="0"/>
+          <a:ext cx="0" cy="0"/>
+          <a:chOff x="0" y="0"/>
+          <a:chExt cx="0" cy="0"/>
+        </a:xfrm>
+      </p:grpSpPr>
+      <p:sp>
+        <p:nvSpPr>
+          <p:cNvPr id="2" name="Slide Image Placeholder 1"/>
+          <p:cNvSpPr>
+            <a:spLocks noGrp="1" noRot="1" noChangeAspect="1"/>
+          </p:cNvSpPr>
+          <p:nvPr>
+            <p:ph type="sldImg"/>
+          </p:nvPr>
+        </p:nvSpPr>
+        <p:spPr/>
+      </p:sp>
+      <p:sp>
+        <p:nvSpPr>
+          <p:cNvPr id="3" name="Notes Placeholder 2"/>
+          <p:cNvSpPr>
+            <a:spLocks noGrp="1"/>
+          </p:cNvSpPr>
+          <p:nvPr>
+            <p:ph type="body" idx="1"/>
+          </p:nvPr>
+        </p:nvSpPr>
+        <p:spPr/>
+        <p:txBody>
+          <a:bodyPr/>
+          <a:lstStyle/>
+          <a:p>
+            <a:r>
+              <a:rPr lang="en-US" dirty="0"/>
+              <a:t>For this model of our dataset, we can ask the question, what tumor size should we use as a classification threshold?</a:t>
+            </a:r>
+          </a:p>
+          <a:p>
+            <a:endParaRPr lang="en-US" dirty="0"/>
+          </a:p>
+          <a:p>
+            <a:r>
+              <a:rPr lang="en-US" dirty="0"/>
+              <a:t>In other words, at what tumor size does the model predict malignancy? </a:t>
+            </a:r>
+          </a:p>
+          <a:p>
+            <a:endParaRPr lang="en-US" dirty="0"/>
+          </a:p>
+          <a:p>
+            <a:r>
+              <a:rPr lang="en-US" dirty="0"/>
+              <a:t>Since we have a binary classification, we want to predict y = 1 for malignant tumors and y = 0 for benign tumors. </a:t>
+            </a:r>
+          </a:p>
+          <a:p>
+            <a:endParaRPr lang="en-US" dirty="0"/>
+          </a:p>
+          <a:p>
+            <a:r>
+              <a:rPr lang="en-US" dirty="0"/>
+              <a:t>At first glance, it may seem reasonable to choose whichever value for tumor size outputs y = 0.5 as a decision threshold. That is, the value of x, where h(x) = 0.5.</a:t>
+            </a:r>
+          </a:p>
+          <a:p>
+            <a:endParaRPr lang="en-US" dirty="0"/>
+          </a:p>
+          <a:p>
+            <a:r>
+              <a:rPr lang="en-US" dirty="0"/>
+              <a:t>This way, all the tumors with a size larger than x will result in a prediction of malignancy (y = 1). </a:t>
+            </a:r>
+          </a:p>
+          <a:p>
+            <a:endParaRPr lang="en-US" dirty="0"/>
+          </a:p>
+          <a:p>
+            <a:r>
+              <a:rPr lang="en-US" dirty="0"/>
+              <a:t>Is this, in fact, a reasonable model for our data?</a:t>
+            </a:r>
+          </a:p>
+        </p:txBody>
+      </p:sp>
+      <p:sp>
+        <p:nvSpPr>
+          <p:cNvPr id="4" name="Slide Number Placeholder 3"/>
+          <p:cNvSpPr>
+            <a:spLocks noGrp="1"/>
+          </p:cNvSpPr>
+          <p:nvPr>
+            <p:ph type="sldNum" sz="quarter" idx="5"/>
+          </p:nvPr>
+        </p:nvSpPr>
+        <p:spPr/>
+        <p:txBody>
+          <a:bodyPr/>
+          <a:lstStyle/>
+          <a:p>
+            <a:fld id="{65BB4358-7947-418D-9893-A52EF810C478}" type="slidenum">
+              <a:rPr lang="en-US" smtClean="0"/>
+              <a:t>7</a:t>
+            </a:fld>
+            <a:endParaRPr lang="en-US"/>
+          </a:p>
+        </p:txBody>
+      </p:sp>
+    </p:spTree>
+    <p:extLst>
+      <p:ext uri="{BB962C8B-B14F-4D97-AF65-F5344CB8AC3E}">
+        <p14:creationId xmlns:p14="http://schemas.microsoft.com/office/powerpoint/2010/main" val="3361016501"/>
+      </p:ext>
+    </p:extLst>
+  </p:cSld>
+  <p:clrMapOvr>
+    <a:masterClrMapping/>
+  </p:clrMapOvr>
+</p:notes>
+</file>
+
+<file path=ppt/notesSlides/notesSlide6.xml><?xml version="1.0" encoding="utf-8"?>
+<p:notes xmlns:a="http://schemas.openxmlformats.org/drawingml/2006/main" xmlns:r="http://schemas.openxmlformats.org/officeDocument/2006/relationships" xmlns:p="http://schemas.openxmlformats.org/presentationml/2006/main">
+  <p:cSld>
+    <p:spTree>
+      <p:nvGrpSpPr>
+        <p:cNvPr id="1" name=""/>
+        <p:cNvGrpSpPr/>
+        <p:nvPr/>
+      </p:nvGrpSpPr>
+      <p:grpSpPr>
+        <a:xfrm>
+          <a:off x="0" y="0"/>
+          <a:ext cx="0" cy="0"/>
+          <a:chOff x="0" y="0"/>
+          <a:chExt cx="0" cy="0"/>
+        </a:xfrm>
+      </p:grpSpPr>
+      <p:sp>
+        <p:nvSpPr>
+          <p:cNvPr id="2" name="Slide Image Placeholder 1"/>
+          <p:cNvSpPr>
+            <a:spLocks noGrp="1" noRot="1" noChangeAspect="1"/>
+          </p:cNvSpPr>
+          <p:nvPr>
+            <p:ph type="sldImg"/>
+          </p:nvPr>
+        </p:nvSpPr>
+        <p:spPr/>
+      </p:sp>
+      <p:sp>
+        <p:nvSpPr>
+          <p:cNvPr id="3" name="Notes Placeholder 2"/>
+          <p:cNvSpPr>
+            <a:spLocks noGrp="1"/>
+          </p:cNvSpPr>
+          <p:nvPr>
+            <p:ph type="body" idx="1"/>
+          </p:nvPr>
+        </p:nvSpPr>
+        <p:spPr/>
+        <p:txBody>
+          <a:bodyPr/>
+          <a:lstStyle/>
+          <a:p>
+            <a:r>
+              <a:rPr lang="en-US" dirty="0"/>
+              <a:t>Actually, linear regression is not a great choice for classification models because it is highly sensitive to outliers. </a:t>
+            </a:r>
+          </a:p>
+          <a:p>
+            <a:endParaRPr lang="en-US" dirty="0"/>
+          </a:p>
+          <a:p>
+            <a:r>
+              <a:rPr lang="en-US" dirty="0"/>
+              <a:t>Consider a new datapoint that corresponds to a very large, malignant tumor.</a:t>
+            </a:r>
+          </a:p>
+          <a:p>
+            <a:endParaRPr lang="en-US" dirty="0"/>
+          </a:p>
+          <a:p>
+            <a:r>
+              <a:rPr lang="en-US" dirty="0"/>
+              <a:t>This new datapoint skews the linear model that is fit to the data, and the value of x where h(x) = 0.5 will move to the right.</a:t>
+            </a:r>
+          </a:p>
+          <a:p>
+            <a:endParaRPr lang="en-US" dirty="0"/>
+          </a:p>
+          <a:p>
+            <a:r>
+              <a:rPr lang="en-US" dirty="0"/>
+              <a:t>And when we use that value of x as a threshold to predict if a tumor sample is malignant, we end up misclassifying many malignant examples.</a:t>
+            </a:r>
+          </a:p>
+          <a:p>
+            <a:endParaRPr lang="en-US" dirty="0"/>
+          </a:p>
+          <a:p>
+            <a:r>
+              <a:rPr lang="en-US" dirty="0"/>
+              <a:t>That is, all the malignant tumors to the left of our new decision point would be predicted to be benign by this model.</a:t>
+            </a:r>
+          </a:p>
+        </p:txBody>
+      </p:sp>
+      <p:sp>
+        <p:nvSpPr>
+          <p:cNvPr id="4" name="Slide Number Placeholder 3"/>
+          <p:cNvSpPr>
+            <a:spLocks noGrp="1"/>
+          </p:cNvSpPr>
+          <p:nvPr>
+            <p:ph type="sldNum" sz="quarter" idx="5"/>
+          </p:nvPr>
+        </p:nvSpPr>
+        <p:spPr/>
+        <p:txBody>
+          <a:bodyPr/>
+          <a:lstStyle/>
+          <a:p>
             <a:fld id="{65BB4358-7947-418D-9893-A52EF810C478}" type="slidenum">
               <a:rPr lang="en-US" smtClean="0"/>
               <a:t>8</a:t>
@@ -715,6 +1267,151 @@
     <p:extLst>
       <p:ext uri="{BB962C8B-B14F-4D97-AF65-F5344CB8AC3E}">
         <p14:creationId xmlns:p14="http://schemas.microsoft.com/office/powerpoint/2010/main" val="1134153723"/>
+      </p:ext>
+    </p:extLst>
+  </p:cSld>
+  <p:clrMapOvr>
+    <a:masterClrMapping/>
+  </p:clrMapOvr>
+</p:notes>
+</file>
+
+<file path=ppt/notesSlides/notesSlide7.xml><?xml version="1.0" encoding="utf-8"?>
+<p:notes xmlns:a="http://schemas.openxmlformats.org/drawingml/2006/main" xmlns:r="http://schemas.openxmlformats.org/officeDocument/2006/relationships" xmlns:p="http://schemas.openxmlformats.org/presentationml/2006/main">
+  <p:cSld>
+    <p:spTree>
+      <p:nvGrpSpPr>
+        <p:cNvPr id="1" name=""/>
+        <p:cNvGrpSpPr/>
+        <p:nvPr/>
+      </p:nvGrpSpPr>
+      <p:grpSpPr>
+        <a:xfrm>
+          <a:off x="0" y="0"/>
+          <a:ext cx="0" cy="0"/>
+          <a:chOff x="0" y="0"/>
+          <a:chExt cx="0" cy="0"/>
+        </a:xfrm>
+      </p:grpSpPr>
+      <p:sp>
+        <p:nvSpPr>
+          <p:cNvPr id="2" name="Slide Image Placeholder 1"/>
+          <p:cNvSpPr>
+            <a:spLocks noGrp="1" noRot="1" noChangeAspect="1"/>
+          </p:cNvSpPr>
+          <p:nvPr>
+            <p:ph type="sldImg"/>
+          </p:nvPr>
+        </p:nvSpPr>
+        <p:spPr/>
+      </p:sp>
+      <p:sp>
+        <p:nvSpPr>
+          <p:cNvPr id="3" name="Notes Placeholder 2"/>
+          <p:cNvSpPr>
+            <a:spLocks noGrp="1"/>
+          </p:cNvSpPr>
+          <p:nvPr>
+            <p:ph type="body" idx="1"/>
+          </p:nvPr>
+        </p:nvSpPr>
+        <p:spPr/>
+        <p:txBody>
+          <a:bodyPr/>
+          <a:lstStyle/>
+          <a:p>
+            <a:r>
+              <a:rPr lang="en-US" dirty="0"/>
+              <a:t>Linear regression is a poor choice for classification models for another reason.</a:t>
+            </a:r>
+          </a:p>
+          <a:p>
+            <a:endParaRPr lang="en-US" dirty="0"/>
+          </a:p>
+          <a:p>
+            <a:r>
+              <a:rPr lang="en-US" dirty="0"/>
+              <a:t>In general, regression models will provide a continuous output between positive and negative infinity.</a:t>
+            </a:r>
+          </a:p>
+          <a:p>
+            <a:endParaRPr lang="en-US" dirty="0"/>
+          </a:p>
+          <a:p>
+            <a:r>
+              <a:rPr lang="en-US" dirty="0"/>
+              <a:t>However our binary classification problem has only 2 outcomes, one assigned to the value 1 and the other to 0.</a:t>
+            </a:r>
+          </a:p>
+          <a:p>
+            <a:endParaRPr lang="en-US" dirty="0"/>
+          </a:p>
+          <a:p>
+            <a:pPr marL="0" marR="0" lvl="0" indent="0" algn="l" defTabSz="914400" rtl="0" eaLnBrk="1" fontAlgn="auto" latinLnBrk="0" hangingPunct="1">
+              <a:lnSpc>
+                <a:spcPct val="100000"/>
+              </a:lnSpc>
+              <a:spcBef>
+                <a:spcPts val="0"/>
+              </a:spcBef>
+              <a:spcAft>
+                <a:spcPts val="0"/>
+              </a:spcAft>
+              <a:buClrTx/>
+              <a:buSzTx/>
+              <a:buFontTx/>
+              <a:buNone/>
+              <a:tabLst/>
+              <a:defRPr/>
+            </a:pPr>
+            <a:r>
+              <a:rPr lang="en-US" dirty="0"/>
+              <a:t>Linear regression which can output values much larger than one and much smaller than zero. </a:t>
+            </a:r>
+          </a:p>
+          <a:p>
+            <a:endParaRPr lang="en-US" b="1" dirty="0"/>
+          </a:p>
+          <a:p>
+            <a:r>
+              <a:rPr lang="en-US" dirty="0"/>
+              <a:t>It is more appropriate to use a mathematical model that limits the output between zero and one, like </a:t>
+            </a:r>
+            <a:r>
+              <a:rPr lang="en-US"/>
+              <a:t>Logistic Regression.</a:t>
+            </a:r>
+            <a:endParaRPr lang="en-US" dirty="0"/>
+          </a:p>
+        </p:txBody>
+      </p:sp>
+      <p:sp>
+        <p:nvSpPr>
+          <p:cNvPr id="4" name="Slide Number Placeholder 3"/>
+          <p:cNvSpPr>
+            <a:spLocks noGrp="1"/>
+          </p:cNvSpPr>
+          <p:nvPr>
+            <p:ph type="sldNum" sz="quarter" idx="5"/>
+          </p:nvPr>
+        </p:nvSpPr>
+        <p:spPr/>
+        <p:txBody>
+          <a:bodyPr/>
+          <a:lstStyle/>
+          <a:p>
+            <a:fld id="{B1A2EA0D-22F4-4AFD-9B05-B1DF34251A83}" type="slidenum">
+              <a:rPr lang="en-US" smtClean="0"/>
+              <a:t>9</a:t>
+            </a:fld>
+            <a:endParaRPr lang="en-US"/>
+          </a:p>
+        </p:txBody>
+      </p:sp>
+    </p:spTree>
+    <p:extLst>
+      <p:ext uri="{BB962C8B-B14F-4D97-AF65-F5344CB8AC3E}">
+        <p14:creationId xmlns:p14="http://schemas.microsoft.com/office/powerpoint/2010/main" val="595741129"/>
       </p:ext>
     </p:extLst>
   </p:cSld>
@@ -871,7 +1568,7 @@
           <a:p>
             <a:fld id="{D788A639-B81C-4455-ABEE-AAB245CF3941}" type="datetimeFigureOut">
               <a:rPr lang="en-US" smtClean="0"/>
-              <a:t>12/13/2022</a:t>
+              <a:t>3/25/2023</a:t>
             </a:fld>
             <a:endParaRPr lang="en-US"/>
           </a:p>
@@ -1069,7 +1766,7 @@
           <a:p>
             <a:fld id="{D788A639-B81C-4455-ABEE-AAB245CF3941}" type="datetimeFigureOut">
               <a:rPr lang="en-US" smtClean="0"/>
-              <a:t>12/13/2022</a:t>
+              <a:t>3/25/2023</a:t>
             </a:fld>
             <a:endParaRPr lang="en-US"/>
           </a:p>
@@ -1277,7 +1974,7 @@
           <a:p>
             <a:fld id="{D788A639-B81C-4455-ABEE-AAB245CF3941}" type="datetimeFigureOut">
               <a:rPr lang="en-US" smtClean="0"/>
-              <a:t>12/13/2022</a:t>
+              <a:t>3/25/2023</a:t>
             </a:fld>
             <a:endParaRPr lang="en-US"/>
           </a:p>
@@ -1475,7 +2172,7 @@
           <a:p>
             <a:fld id="{D788A639-B81C-4455-ABEE-AAB245CF3941}" type="datetimeFigureOut">
               <a:rPr lang="en-US" smtClean="0"/>
-              <a:t>12/13/2022</a:t>
+              <a:t>3/25/2023</a:t>
             </a:fld>
             <a:endParaRPr lang="en-US"/>
           </a:p>
@@ -1750,7 +2447,7 @@
           <a:p>
             <a:fld id="{D788A639-B81C-4455-ABEE-AAB245CF3941}" type="datetimeFigureOut">
               <a:rPr lang="en-US" smtClean="0"/>
-              <a:t>12/13/2022</a:t>
+              <a:t>3/25/2023</a:t>
             </a:fld>
             <a:endParaRPr lang="en-US"/>
           </a:p>
@@ -2015,7 +2712,7 @@
           <a:p>
             <a:fld id="{D788A639-B81C-4455-ABEE-AAB245CF3941}" type="datetimeFigureOut">
               <a:rPr lang="en-US" smtClean="0"/>
-              <a:t>12/13/2022</a:t>
+              <a:t>3/25/2023</a:t>
             </a:fld>
             <a:endParaRPr lang="en-US"/>
           </a:p>
@@ -2427,7 +3124,7 @@
           <a:p>
             <a:fld id="{D788A639-B81C-4455-ABEE-AAB245CF3941}" type="datetimeFigureOut">
               <a:rPr lang="en-US" smtClean="0"/>
-              <a:t>12/13/2022</a:t>
+              <a:t>3/25/2023</a:t>
             </a:fld>
             <a:endParaRPr lang="en-US"/>
           </a:p>
@@ -2568,7 +3265,7 @@
           <a:p>
             <a:fld id="{D788A639-B81C-4455-ABEE-AAB245CF3941}" type="datetimeFigureOut">
               <a:rPr lang="en-US" smtClean="0"/>
-              <a:t>12/13/2022</a:t>
+              <a:t>3/25/2023</a:t>
             </a:fld>
             <a:endParaRPr lang="en-US"/>
           </a:p>
@@ -2681,7 +3378,7 @@
           <a:p>
             <a:fld id="{D788A639-B81C-4455-ABEE-AAB245CF3941}" type="datetimeFigureOut">
               <a:rPr lang="en-US" smtClean="0"/>
-              <a:t>12/13/2022</a:t>
+              <a:t>3/25/2023</a:t>
             </a:fld>
             <a:endParaRPr lang="en-US"/>
           </a:p>
@@ -2992,7 +3689,7 @@
           <a:p>
             <a:fld id="{D788A639-B81C-4455-ABEE-AAB245CF3941}" type="datetimeFigureOut">
               <a:rPr lang="en-US" smtClean="0"/>
-              <a:t>12/13/2022</a:t>
+              <a:t>3/25/2023</a:t>
             </a:fld>
             <a:endParaRPr lang="en-US"/>
           </a:p>
@@ -3280,7 +3977,7 @@
           <a:p>
             <a:fld id="{D788A639-B81C-4455-ABEE-AAB245CF3941}" type="datetimeFigureOut">
               <a:rPr lang="en-US" smtClean="0"/>
-              <a:t>12/13/2022</a:t>
+              <a:t>3/25/2023</a:t>
             </a:fld>
             <a:endParaRPr lang="en-US"/>
           </a:p>
@@ -3521,7 +4218,7 @@
           <a:p>
             <a:fld id="{D788A639-B81C-4455-ABEE-AAB245CF3941}" type="datetimeFigureOut">
               <a:rPr lang="en-US" smtClean="0"/>
-              <a:t>12/13/2022</a:t>
+              <a:t>3/25/2023</a:t>
             </a:fld>
             <a:endParaRPr lang="en-US"/>
           </a:p>
@@ -4247,7 +4944,7 @@
             </a:pPr>
             <a:r>
               <a:rPr lang="en-US" sz="2600" dirty="0"/>
-              <a:t>Email: Spam / Not Spam?</a:t>
+              <a:t>Incoming Email: Spam / Not Spam?</a:t>
             </a:r>
           </a:p>
           <a:p>
@@ -4265,16 +4962,7 @@
             </a:pPr>
             <a:r>
               <a:rPr lang="en-US" sz="2600" dirty="0"/>
-              <a:t>Tumor: Malignant / Benign ?</a:t>
-            </a:r>
-          </a:p>
-          <a:p>
-            <a:pPr marL="0" indent="0">
-              <a:buNone/>
-            </a:pPr>
-            <a:r>
-              <a:rPr lang="en-US" sz="2600" dirty="0"/>
-              <a:t>Patient: Dead/ Alive ?</a:t>
+              <a:t>Tumor biopsy: Malignant / Benign ?</a:t>
             </a:r>
           </a:p>
           <a:p>
@@ -4301,7 +4989,7 @@
           </p:nvPr>
         </p:nvPicPr>
         <p:blipFill>
-          <a:blip r:embed="rId3" cstate="print">
+          <a:blip r:embed="rId4" cstate="print">
             <a:extLst>
               <a:ext uri="{28A0092B-C50C-407E-A947-70E740481C1C}">
                 <a14:useLocalDpi xmlns:a14="http://schemas.microsoft.com/office/drawing/2010/main" val="0"/>
@@ -4542,37 +5230,6 @@
                                   </p:childTnLst>
                                 </p:cTn>
                               </p:par>
-                              <p:par>
-                                <p:cTn id="15" presetID="1" presetClass="entr" presetSubtype="0" fill="hold" nodeType="withEffect">
-                                  <p:stCondLst>
-                                    <p:cond delay="0"/>
-                                  </p:stCondLst>
-                                  <p:childTnLst>
-                                    <p:set>
-                                      <p:cBhvr>
-                                        <p:cTn id="16" dur="1" fill="hold">
-                                          <p:stCondLst>
-                                            <p:cond delay="0"/>
-                                          </p:stCondLst>
-                                        </p:cTn>
-                                        <p:tgtEl>
-                                          <p:spTgt spid="5">
-                                            <p:txEl>
-                                              <p:pRg st="5" end="5"/>
-                                            </p:txEl>
-                                          </p:spTgt>
-                                        </p:tgtEl>
-                                        <p:attrNameLst>
-                                          <p:attrName>style.visibility</p:attrName>
-                                        </p:attrNameLst>
-                                      </p:cBhvr>
-                                      <p:to>
-                                        <p:strVal val="visible"/>
-                                      </p:to>
-                                    </p:set>
-                                  </p:childTnLst>
-                                </p:cTn>
-                              </p:par>
                             </p:childTnLst>
                           </p:cTn>
                         </p:par>
@@ -4580,26 +5237,26 @@
                     </p:cTn>
                   </p:par>
                   <p:par>
-                    <p:cTn id="17" fill="hold">
+                    <p:cTn id="15" fill="hold">
                       <p:stCondLst>
                         <p:cond delay="indefinite"/>
                       </p:stCondLst>
                       <p:childTnLst>
                         <p:par>
-                          <p:cTn id="18" fill="hold">
+                          <p:cTn id="16" fill="hold">
                             <p:stCondLst>
                               <p:cond delay="0"/>
                             </p:stCondLst>
                             <p:childTnLst>
                               <p:par>
-                                <p:cTn id="19" presetID="1" presetClass="entr" presetSubtype="0" fill="hold" nodeType="clickEffect">
+                                <p:cTn id="17" presetID="1" presetClass="entr" presetSubtype="0" fill="hold" nodeType="clickEffect">
                                   <p:stCondLst>
                                     <p:cond delay="0"/>
                                   </p:stCondLst>
                                   <p:childTnLst>
                                     <p:set>
                                       <p:cBhvr>
-                                        <p:cTn id="20" dur="1" fill="hold">
+                                        <p:cTn id="18" dur="1" fill="hold">
                                           <p:stCondLst>
                                             <p:cond delay="0"/>
                                           </p:stCondLst>
@@ -4619,14 +5276,14 @@
                                 </p:cTn>
                               </p:par>
                               <p:par>
-                                <p:cTn id="21" presetID="1" presetClass="entr" presetSubtype="0" fill="hold" grpId="0" nodeType="withEffect">
+                                <p:cTn id="19" presetID="1" presetClass="entr" presetSubtype="0" fill="hold" grpId="0" nodeType="withEffect">
                                   <p:stCondLst>
                                     <p:cond delay="0"/>
                                   </p:stCondLst>
                                   <p:childTnLst>
                                     <p:set>
                                       <p:cBhvr>
-                                        <p:cTn id="22" dur="1" fill="hold">
+                                        <p:cTn id="20" dur="1" fill="hold">
                                           <p:stCondLst>
                                             <p:cond delay="0"/>
                                           </p:stCondLst>
@@ -4741,7 +5398,7 @@
           <p:nvPr/>
         </p:nvPicPr>
         <p:blipFill>
-          <a:blip r:embed="rId2"/>
+          <a:blip r:embed="rId3"/>
           <a:stretch>
             <a:fillRect/>
           </a:stretch>
@@ -4771,7 +5428,7 @@
           <p:nvPr/>
         </p:nvPicPr>
         <p:blipFill>
-          <a:blip r:embed="rId3"/>
+          <a:blip r:embed="rId4"/>
           <a:stretch>
             <a:fillRect/>
           </a:stretch>
@@ -4801,7 +5458,7 @@
           <p:nvPr/>
         </p:nvPicPr>
         <p:blipFill>
-          <a:blip r:embed="rId4"/>
+          <a:blip r:embed="rId5"/>
           <a:stretch>
             <a:fillRect/>
           </a:stretch>
@@ -7034,7 +7691,7 @@
             </a:r>
             <a:r>
               <a:rPr lang="en-US" sz="2200" dirty="0"/>
-              <a:t> describing the relationship between tumor size (x1) and the malignant? label (y) like linear regression. </a:t>
+              <a:t> describing the relationship between tumor size (x1) and the malignancy label (y) with linear regression. </a:t>
             </a:r>
           </a:p>
           <a:p>
@@ -11121,7 +11778,7 @@
             </p:nvPr>
           </p:nvPicPr>
           <p:blipFill>
-            <a:blip r:embed="rId4" cstate="print">
+            <a:blip r:embed="rId5" cstate="print">
               <a:extLst>
                 <a:ext uri="{28A0092B-C50C-407E-A947-70E740481C1C}">
                   <a14:useLocalDpi xmlns:a14="http://schemas.microsoft.com/office/drawing/2010/main" val="0"/>
@@ -11217,7 +11874,7 @@
             </p:nvPr>
           </p:nvPicPr>
           <p:blipFill>
-            <a:blip r:embed="rId5" cstate="print">
+            <a:blip r:embed="rId6" cstate="print">
               <a:extLst>
                 <a:ext uri="{28A0092B-C50C-407E-A947-70E740481C1C}">
                   <a14:useLocalDpi xmlns:a14="http://schemas.microsoft.com/office/drawing/2010/main" val="0"/>

--- a/Courses/ML_Concepts/Module_01_Introduction_to_Classification/Module_01_Introduction_to_Classification_01_ClassificationBackground.pptx
+++ b/Courses/ML_Concepts/Module_01_Introduction_to_Classification/Module_01_Introduction_to_Classification_01_ClassificationBackground.pptx
@@ -205,7 +205,7 @@
           <a:p>
             <a:fld id="{8BF7BA16-693B-49DC-B4FA-AF7A11A8ED46}" type="datetimeFigureOut">
               <a:rPr lang="en-US" smtClean="0"/>
-              <a:t>3/25/2023</a:t>
+              <a:t>4/13/2023</a:t>
             </a:fld>
             <a:endParaRPr lang="en-US"/>
           </a:p>
@@ -1568,7 +1568,7 @@
           <a:p>
             <a:fld id="{D788A639-B81C-4455-ABEE-AAB245CF3941}" type="datetimeFigureOut">
               <a:rPr lang="en-US" smtClean="0"/>
-              <a:t>3/25/2023</a:t>
+              <a:t>4/13/2023</a:t>
             </a:fld>
             <a:endParaRPr lang="en-US"/>
           </a:p>
@@ -1766,7 +1766,7 @@
           <a:p>
             <a:fld id="{D788A639-B81C-4455-ABEE-AAB245CF3941}" type="datetimeFigureOut">
               <a:rPr lang="en-US" smtClean="0"/>
-              <a:t>3/25/2023</a:t>
+              <a:t>4/13/2023</a:t>
             </a:fld>
             <a:endParaRPr lang="en-US"/>
           </a:p>
@@ -1974,7 +1974,7 @@
           <a:p>
             <a:fld id="{D788A639-B81C-4455-ABEE-AAB245CF3941}" type="datetimeFigureOut">
               <a:rPr lang="en-US" smtClean="0"/>
-              <a:t>3/25/2023</a:t>
+              <a:t>4/13/2023</a:t>
             </a:fld>
             <a:endParaRPr lang="en-US"/>
           </a:p>
@@ -2172,7 +2172,7 @@
           <a:p>
             <a:fld id="{D788A639-B81C-4455-ABEE-AAB245CF3941}" type="datetimeFigureOut">
               <a:rPr lang="en-US" smtClean="0"/>
-              <a:t>3/25/2023</a:t>
+              <a:t>4/13/2023</a:t>
             </a:fld>
             <a:endParaRPr lang="en-US"/>
           </a:p>
@@ -2447,7 +2447,7 @@
           <a:p>
             <a:fld id="{D788A639-B81C-4455-ABEE-AAB245CF3941}" type="datetimeFigureOut">
               <a:rPr lang="en-US" smtClean="0"/>
-              <a:t>3/25/2023</a:t>
+              <a:t>4/13/2023</a:t>
             </a:fld>
             <a:endParaRPr lang="en-US"/>
           </a:p>
@@ -2712,7 +2712,7 @@
           <a:p>
             <a:fld id="{D788A639-B81C-4455-ABEE-AAB245CF3941}" type="datetimeFigureOut">
               <a:rPr lang="en-US" smtClean="0"/>
-              <a:t>3/25/2023</a:t>
+              <a:t>4/13/2023</a:t>
             </a:fld>
             <a:endParaRPr lang="en-US"/>
           </a:p>
@@ -3124,7 +3124,7 @@
           <a:p>
             <a:fld id="{D788A639-B81C-4455-ABEE-AAB245CF3941}" type="datetimeFigureOut">
               <a:rPr lang="en-US" smtClean="0"/>
-              <a:t>3/25/2023</a:t>
+              <a:t>4/13/2023</a:t>
             </a:fld>
             <a:endParaRPr lang="en-US"/>
           </a:p>
@@ -3265,7 +3265,7 @@
           <a:p>
             <a:fld id="{D788A639-B81C-4455-ABEE-AAB245CF3941}" type="datetimeFigureOut">
               <a:rPr lang="en-US" smtClean="0"/>
-              <a:t>3/25/2023</a:t>
+              <a:t>4/13/2023</a:t>
             </a:fld>
             <a:endParaRPr lang="en-US"/>
           </a:p>
@@ -3378,7 +3378,7 @@
           <a:p>
             <a:fld id="{D788A639-B81C-4455-ABEE-AAB245CF3941}" type="datetimeFigureOut">
               <a:rPr lang="en-US" smtClean="0"/>
-              <a:t>3/25/2023</a:t>
+              <a:t>4/13/2023</a:t>
             </a:fld>
             <a:endParaRPr lang="en-US"/>
           </a:p>
@@ -3689,7 +3689,7 @@
           <a:p>
             <a:fld id="{D788A639-B81C-4455-ABEE-AAB245CF3941}" type="datetimeFigureOut">
               <a:rPr lang="en-US" smtClean="0"/>
-              <a:t>3/25/2023</a:t>
+              <a:t>4/13/2023</a:t>
             </a:fld>
             <a:endParaRPr lang="en-US"/>
           </a:p>
@@ -3977,7 +3977,7 @@
           <a:p>
             <a:fld id="{D788A639-B81C-4455-ABEE-AAB245CF3941}" type="datetimeFigureOut">
               <a:rPr lang="en-US" smtClean="0"/>
-              <a:t>3/25/2023</a:t>
+              <a:t>4/13/2023</a:t>
             </a:fld>
             <a:endParaRPr lang="en-US"/>
           </a:p>
@@ -4218,7 +4218,7 @@
           <a:p>
             <a:fld id="{D788A639-B81C-4455-ABEE-AAB245CF3941}" type="datetimeFigureOut">
               <a:rPr lang="en-US" smtClean="0"/>
-              <a:t>3/25/2023</a:t>
+              <a:t>4/13/2023</a:t>
             </a:fld>
             <a:endParaRPr lang="en-US"/>
           </a:p>
@@ -11245,7 +11245,7 @@
                             </p:stCondLst>
                             <p:childTnLst>
                               <p:par>
-                                <p:cTn id="5" presetID="1" presetClass="entr" presetSubtype="0" fill="hold" grpId="0" nodeType="clickEffect">
+                                <p:cTn id="5" presetID="1" presetClass="entr" presetSubtype="0" fill="hold" nodeType="clickEffect">
                                   <p:stCondLst>
                                     <p:cond delay="0"/>
                                   </p:stCondLst>
@@ -11258,7 +11258,7 @@
                                           </p:stCondLst>
                                         </p:cTn>
                                         <p:tgtEl>
-                                          <p:spTgt spid="43"/>
+                                          <p:spTgt spid="46"/>
                                         </p:tgtEl>
                                         <p:attrNameLst>
                                           <p:attrName>style.visibility</p:attrName>
@@ -11290,7 +11290,7 @@
                             </p:stCondLst>
                             <p:childTnLst>
                               <p:par>
-                                <p:cTn id="9" presetID="1" presetClass="entr" presetSubtype="0" fill="hold" nodeType="clickEffect">
+                                <p:cTn id="9" presetID="1" presetClass="entr" presetSubtype="0" fill="hold" grpId="0" nodeType="clickEffect">
                                   <p:stCondLst>
                                     <p:cond delay="0"/>
                                   </p:stCondLst>
@@ -11303,7 +11303,7 @@
                                           </p:stCondLst>
                                         </p:cTn>
                                         <p:tgtEl>
-                                          <p:spTgt spid="46"/>
+                                          <p:spTgt spid="43"/>
                                         </p:tgtEl>
                                         <p:attrNameLst>
                                           <p:attrName>style.visibility</p:attrName>
@@ -11452,7 +11452,7 @@
                                 </p:cTn>
                               </p:par>
                               <p:par>
-                                <p:cTn id="21" presetID="1" presetClass="entr" presetSubtype="0" fill="hold" nodeType="withEffect">
+                                <p:cTn id="21" presetID="1" presetClass="entr" presetSubtype="0" fill="hold" grpId="0" nodeType="withEffect">
                                   <p:stCondLst>
                                     <p:cond delay="0"/>
                                   </p:stCondLst>
@@ -11460,6 +11460,33 @@
                                     <p:set>
                                       <p:cBhvr>
                                         <p:cTn id="22" dur="1" fill="hold">
+                                          <p:stCondLst>
+                                            <p:cond delay="0"/>
+                                          </p:stCondLst>
+                                        </p:cTn>
+                                        <p:tgtEl>
+                                          <p:spTgt spid="41"/>
+                                        </p:tgtEl>
+                                        <p:attrNameLst>
+                                          <p:attrName>style.visibility</p:attrName>
+                                        </p:attrNameLst>
+                                      </p:cBhvr>
+                                      <p:to>
+                                        <p:strVal val="visible"/>
+                                      </p:to>
+                                    </p:set>
+                                  </p:childTnLst>
+                                </p:cTn>
+                              </p:par>
+                              <p:par>
+                                <p:cTn id="23" presetID="1" presetClass="entr" presetSubtype="0" fill="hold" nodeType="withEffect">
+                                  <p:stCondLst>
+                                    <p:cond delay="0"/>
+                                  </p:stCondLst>
+                                  <p:childTnLst>
+                                    <p:set>
+                                      <p:cBhvr>
+                                        <p:cTn id="24" dur="1" fill="hold">
                                           <p:stCondLst>
                                             <p:cond delay="0"/>
                                           </p:stCondLst>
@@ -11485,26 +11512,26 @@
                     </p:cTn>
                   </p:par>
                   <p:par>
-                    <p:cTn id="23" fill="hold">
+                    <p:cTn id="25" fill="hold">
                       <p:stCondLst>
                         <p:cond delay="indefinite"/>
                       </p:stCondLst>
                       <p:childTnLst>
                         <p:par>
-                          <p:cTn id="24" fill="hold">
+                          <p:cTn id="26" fill="hold">
                             <p:stCondLst>
                               <p:cond delay="0"/>
                             </p:stCondLst>
                             <p:childTnLst>
                               <p:par>
-                                <p:cTn id="25" presetID="1" presetClass="entr" presetSubtype="0" fill="hold" nodeType="clickEffect">
+                                <p:cTn id="27" presetID="1" presetClass="entr" presetSubtype="0" fill="hold" nodeType="clickEffect">
                                   <p:stCondLst>
                                     <p:cond delay="0"/>
                                   </p:stCondLst>
                                   <p:childTnLst>
                                     <p:set>
                                       <p:cBhvr>
-                                        <p:cTn id="26" dur="1" fill="hold">
+                                        <p:cTn id="28" dur="1" fill="hold">
                                           <p:stCondLst>
                                             <p:cond delay="0"/>
                                           </p:stCondLst>
@@ -11555,6 +11582,7 @@
       </p:par>
     </p:tnLst>
     <p:bldLst>
+      <p:bldP spid="41" grpId="0" animBg="1"/>
       <p:bldP spid="47" grpId="0"/>
       <p:bldP spid="48" grpId="0"/>
       <p:bldP spid="43" grpId="0" animBg="1"/>
